--- a/Documents/POW2.pptx
+++ b/Documents/POW2.pptx
@@ -314,7 +314,7 @@
           <a:p>
             <a:fld id="{B37E7159-79D4-4BF9-BD63-03C8BC70D8E3}" type="datetimeFigureOut">
               <a:rPr lang="en-NL" smtClean="0"/>
-              <a:t>26/02/2024</a:t>
+              <a:t>25/03/2024</a:t>
             </a:fld>
             <a:endParaRPr lang="en-NL"/>
           </a:p>
@@ -504,7 +504,7 @@
           <a:p>
             <a:fld id="{B37E7159-79D4-4BF9-BD63-03C8BC70D8E3}" type="datetimeFigureOut">
               <a:rPr lang="en-NL" smtClean="0"/>
-              <a:t>26/02/2024</a:t>
+              <a:t>25/03/2024</a:t>
             </a:fld>
             <a:endParaRPr lang="en-NL"/>
           </a:p>
@@ -684,7 +684,7 @@
           <a:p>
             <a:fld id="{B37E7159-79D4-4BF9-BD63-03C8BC70D8E3}" type="datetimeFigureOut">
               <a:rPr lang="en-NL" smtClean="0"/>
-              <a:t>26/02/2024</a:t>
+              <a:t>25/03/2024</a:t>
             </a:fld>
             <a:endParaRPr lang="en-NL"/>
           </a:p>
@@ -854,7 +854,7 @@
           <a:p>
             <a:fld id="{B37E7159-79D4-4BF9-BD63-03C8BC70D8E3}" type="datetimeFigureOut">
               <a:rPr lang="en-NL" smtClean="0"/>
-              <a:t>26/02/2024</a:t>
+              <a:t>25/03/2024</a:t>
             </a:fld>
             <a:endParaRPr lang="en-NL"/>
           </a:p>
@@ -1110,7 +1110,7 @@
           <a:p>
             <a:fld id="{B37E7159-79D4-4BF9-BD63-03C8BC70D8E3}" type="datetimeFigureOut">
               <a:rPr lang="en-NL" smtClean="0"/>
-              <a:t>26/02/2024</a:t>
+              <a:t>25/03/2024</a:t>
             </a:fld>
             <a:endParaRPr lang="en-NL"/>
           </a:p>
@@ -1398,7 +1398,7 @@
           <a:p>
             <a:fld id="{B37E7159-79D4-4BF9-BD63-03C8BC70D8E3}" type="datetimeFigureOut">
               <a:rPr lang="en-NL" smtClean="0"/>
-              <a:t>26/02/2024</a:t>
+              <a:t>25/03/2024</a:t>
             </a:fld>
             <a:endParaRPr lang="en-NL"/>
           </a:p>
@@ -1836,7 +1836,7 @@
           <a:p>
             <a:fld id="{B37E7159-79D4-4BF9-BD63-03C8BC70D8E3}" type="datetimeFigureOut">
               <a:rPr lang="en-NL" smtClean="0"/>
-              <a:t>26/02/2024</a:t>
+              <a:t>25/03/2024</a:t>
             </a:fld>
             <a:endParaRPr lang="en-NL"/>
           </a:p>
@@ -1954,7 +1954,7 @@
           <a:p>
             <a:fld id="{B37E7159-79D4-4BF9-BD63-03C8BC70D8E3}" type="datetimeFigureOut">
               <a:rPr lang="en-NL" smtClean="0"/>
-              <a:t>26/02/2024</a:t>
+              <a:t>25/03/2024</a:t>
             </a:fld>
             <a:endParaRPr lang="en-NL"/>
           </a:p>
@@ -2049,7 +2049,7 @@
           <a:p>
             <a:fld id="{B37E7159-79D4-4BF9-BD63-03C8BC70D8E3}" type="datetimeFigureOut">
               <a:rPr lang="en-NL" smtClean="0"/>
-              <a:t>26/02/2024</a:t>
+              <a:t>25/03/2024</a:t>
             </a:fld>
             <a:endParaRPr lang="en-NL"/>
           </a:p>
@@ -2405,7 +2405,7 @@
           <a:p>
             <a:fld id="{B37E7159-79D4-4BF9-BD63-03C8BC70D8E3}" type="datetimeFigureOut">
               <a:rPr lang="en-NL" smtClean="0"/>
-              <a:t>26/02/2024</a:t>
+              <a:t>25/03/2024</a:t>
             </a:fld>
             <a:endParaRPr lang="en-NL"/>
           </a:p>
@@ -2721,7 +2721,7 @@
           <a:p>
             <a:fld id="{B37E7159-79D4-4BF9-BD63-03C8BC70D8E3}" type="datetimeFigureOut">
               <a:rPr lang="en-NL" smtClean="0"/>
-              <a:t>26/02/2024</a:t>
+              <a:t>25/03/2024</a:t>
             </a:fld>
             <a:endParaRPr lang="en-NL"/>
           </a:p>
@@ -2954,7 +2954,7 @@
           <a:p>
             <a:fld id="{B37E7159-79D4-4BF9-BD63-03C8BC70D8E3}" type="datetimeFigureOut">
               <a:rPr lang="en-NL" smtClean="0"/>
-              <a:t>26/02/2024</a:t>
+              <a:t>25/03/2024</a:t>
             </a:fld>
             <a:endParaRPr lang="en-NL"/>
           </a:p>
@@ -3699,67 +3699,11 @@
           <a:p>
             <a:r>
               <a:rPr lang="en-US" sz="1600" b="1" dirty="0"/>
-              <a:t>LoRa module, ESP32</a:t>
-            </a:r>
-          </a:p>
-          <a:p>
-            <a:r>
-              <a:rPr lang="en-US" sz="1600" b="1" dirty="0"/>
-              <a:t>Frederik in CC, mails </a:t>
-            </a:r>
-            <a:r>
-              <a:rPr lang="en-US" sz="1600" b="1" dirty="0" err="1"/>
-              <a:t>naar</a:t>
-            </a:r>
-            <a:r>
-              <a:rPr lang="en-US" sz="1600" b="1" dirty="0"/>
-              <a:t> </a:t>
-            </a:r>
-            <a:r>
-              <a:rPr lang="en-US" sz="1600" b="1" dirty="0" err="1"/>
-              <a:t>elektrotechniek</a:t>
-            </a:r>
-            <a:r>
-              <a:rPr lang="en-US" sz="1600" b="1" dirty="0"/>
-              <a:t>.</a:t>
-            </a:r>
-          </a:p>
-          <a:p>
-            <a:r>
-              <a:rPr lang="en-US" sz="1600" b="1" dirty="0" err="1"/>
-              <a:t>Hary</a:t>
-            </a:r>
-            <a:r>
-              <a:rPr lang="en-US" sz="1600" b="1" dirty="0"/>
-              <a:t> </a:t>
-            </a:r>
-            <a:r>
-              <a:rPr lang="en-US" sz="1600" b="1" dirty="0" err="1"/>
-              <a:t>mailen</a:t>
-            </a:r>
-            <a:r>
-              <a:rPr lang="en-US" sz="1600" b="1" dirty="0"/>
-              <a:t> over microcontroller </a:t>
-            </a:r>
-            <a:r>
-              <a:rPr lang="en-US" sz="1600" b="1" dirty="0" err="1"/>
-              <a:t>en</a:t>
-            </a:r>
-            <a:r>
-              <a:rPr lang="en-US" sz="1600" b="1" dirty="0"/>
-              <a:t> </a:t>
-            </a:r>
-            <a:r>
-              <a:rPr lang="en-US" sz="1600" b="1" dirty="0" err="1"/>
-              <a:t>LoRA</a:t>
-            </a:r>
-            <a:r>
-              <a:rPr lang="en-US" sz="1600" b="1" dirty="0"/>
-              <a:t>, </a:t>
-            </a:r>
-            <a:r>
-              <a:rPr lang="en-US" sz="1600" b="1" dirty="0" err="1"/>
-              <a:t>lenen</a:t>
+              <a:t>LoRa module</a:t>
+            </a:r>
+            <a:r>
+              <a:rPr lang="en-US" sz="1600" b="1"/>
+              <a:t>, ESP32</a:t>
             </a:r>
             <a:endParaRPr lang="en-US" sz="1600" b="1" dirty="0"/>
           </a:p>
